--- a/Project1_Presentation.pptx
+++ b/Project1_Presentation.pptx
@@ -23,32 +23,32 @@
   <p:notesSz cx="6858000" cy="9144000"/>
   <p:embeddedFontLst>
     <p:embeddedFont>
-      <p:font typeface="Fira Sans Extra Condensed Medium" panose="020B0603050000020004" pitchFamily="34" charset="0"/>
+      <p:font typeface="Fira Sans Extra Condensed Medium" panose="020B0604020202020204" charset="0"/>
       <p:regular r:id="rId13"/>
       <p:bold r:id="rId14"/>
       <p:italic r:id="rId15"/>
       <p:boldItalic r:id="rId16"/>
     </p:embeddedFont>
     <p:embeddedFont>
-      <p:font typeface="Righteous" panose="02010506000000020000" pitchFamily="2" charset="0"/>
+      <p:font typeface="Righteous" panose="020B0604020202020204" charset="0"/>
       <p:regular r:id="rId17"/>
     </p:embeddedFont>
     <p:embeddedFont>
-      <p:font typeface="Roboto Condensed" panose="02000000000000000000" pitchFamily="2" charset="0"/>
+      <p:font typeface="Roboto Condensed" panose="020B0604020202020204" charset="0"/>
       <p:regular r:id="rId18"/>
       <p:bold r:id="rId19"/>
       <p:italic r:id="rId20"/>
       <p:boldItalic r:id="rId21"/>
     </p:embeddedFont>
     <p:embeddedFont>
-      <p:font typeface="Roboto Condensed Light" panose="02000000000000000000" pitchFamily="2" charset="0"/>
+      <p:font typeface="Roboto Condensed Light" panose="020B0604020202020204" charset="0"/>
       <p:regular r:id="rId22"/>
       <p:bold r:id="rId23"/>
       <p:italic r:id="rId24"/>
       <p:boldItalic r:id="rId25"/>
     </p:embeddedFont>
     <p:embeddedFont>
-      <p:font typeface="Squada One" panose="02000000000000000000" pitchFamily="2" charset="0"/>
+      <p:font typeface="Squada One" panose="020B0604020202020204" charset="0"/>
       <p:regular r:id="rId26"/>
     </p:embeddedFont>
   </p:embeddedFontLst>
@@ -281,6 +281,11 @@
       </a:defRPr>
     </a:lvl9pPr>
   </p:defaultTextStyle>
+  <p:extLst>
+    <p:ext uri="{EFAFB233-063F-42B5-8137-9DF3F51BA10A}">
+      <p15:sldGuideLst xmlns:p15="http://schemas.microsoft.com/office/powerpoint/2012/main"/>
+    </p:ext>
+  </p:extLst>
 </p:presentation>
 </file>
 
@@ -10046,7 +10051,7 @@
             </a:pPr>
             <a:r>
               <a:rPr lang="en-US" dirty="0"/>
-              <a:t>Name</a:t>
+              <a:t>World Weather Online</a:t>
             </a:r>
           </a:p>
           <a:p>
@@ -10072,8 +10077,10 @@
               <a:buNone/>
             </a:pPr>
             <a:r>
-              <a:rPr lang="en-US" dirty="0"/>
-              <a:t>URL</a:t>
+              <a:rPr lang="en-US" dirty="0">
+                <a:hlinkClick r:id="rId4"/>
+              </a:rPr>
+              <a:t>https://www.worldweatheronline.com/developer/</a:t>
             </a:r>
             <a:endParaRPr dirty="0"/>
           </a:p>
